--- a/presentation/미팅/meeting_1.pptx
+++ b/presentation/미팅/meeting_1.pptx
@@ -7020,9 +7020,6 @@
                 <a:solidFill>
                   <a:schemeClr val="tx1"/>
                 </a:solidFill>
-                <a:highlight>
-                  <a:srgbClr val="FFFF00"/>
-                </a:highlight>
               </a:rPr>
               <a:t>-</a:t>
             </a:r>
@@ -7031,9 +7028,6 @@
                 <a:solidFill>
                   <a:schemeClr val="tx1"/>
                 </a:solidFill>
-                <a:highlight>
-                  <a:srgbClr val="FFFF00"/>
-                </a:highlight>
               </a:rPr>
               <a:t>레즈넷 등 데이터숫자가 적은 경우 낮은 버전이 더 효과적</a:t>
             </a:r>
@@ -7041,9 +7035,6 @@
               <a:solidFill>
                 <a:schemeClr val="tx1"/>
               </a:solidFill>
-              <a:highlight>
-                <a:srgbClr val="FFFF00"/>
-              </a:highlight>
             </a:endParaRPr>
           </a:p>
           <a:p>
@@ -8217,9 +8208,6 @@
                 <a:solidFill>
                   <a:schemeClr val="tx1"/>
                 </a:solidFill>
-                <a:highlight>
-                  <a:srgbClr val="FFFF00"/>
-                </a:highlight>
               </a:rPr>
               <a:t>     - AUC</a:t>
             </a:r>
@@ -8228,9 +8216,6 @@
                 <a:solidFill>
                   <a:schemeClr val="tx1"/>
                 </a:solidFill>
-                <a:highlight>
-                  <a:srgbClr val="FFFF00"/>
-                </a:highlight>
               </a:rPr>
               <a:t>를 추천</a:t>
             </a:r>
@@ -8238,9 +8223,6 @@
               <a:solidFill>
                 <a:schemeClr val="tx1"/>
               </a:solidFill>
-              <a:highlight>
-                <a:srgbClr val="FFFF00"/>
-              </a:highlight>
             </a:endParaRPr>
           </a:p>
           <a:p>
